--- a/크라우드 펀딩/디자인.pptx
+++ b/크라우드 펀딩/디자인.pptx
@@ -116,7 +116,7 @@
             <a:srgbClr val="A4A3A4"/>
           </p15:clr>
         </p15:guide>
-        <p15:guide id="2" pos="8799" userDrawn="1">
+        <p15:guide id="2" pos="8821" userDrawn="1">
           <p15:clr>
             <a:srgbClr val="A4A3A4"/>
           </p15:clr>
@@ -258,7 +258,7 @@
           <a:p>
             <a:fld id="{D499B87D-4425-4E83-91AC-B61446A371BA}" type="datetimeFigureOut">
               <a:rPr lang="ko-KR" altLang="en-US" smtClean="0"/>
-              <a:t>2019-10-29</a:t>
+              <a:t>2019-11-11</a:t>
             </a:fld>
             <a:endParaRPr lang="ko-KR" altLang="en-US"/>
           </a:p>
@@ -428,7 +428,7 @@
           <a:p>
             <a:fld id="{D499B87D-4425-4E83-91AC-B61446A371BA}" type="datetimeFigureOut">
               <a:rPr lang="ko-KR" altLang="en-US" smtClean="0"/>
-              <a:t>2019-10-29</a:t>
+              <a:t>2019-11-11</a:t>
             </a:fld>
             <a:endParaRPr lang="ko-KR" altLang="en-US"/>
           </a:p>
@@ -608,7 +608,7 @@
           <a:p>
             <a:fld id="{D499B87D-4425-4E83-91AC-B61446A371BA}" type="datetimeFigureOut">
               <a:rPr lang="ko-KR" altLang="en-US" smtClean="0"/>
-              <a:t>2019-10-29</a:t>
+              <a:t>2019-11-11</a:t>
             </a:fld>
             <a:endParaRPr lang="ko-KR" altLang="en-US"/>
           </a:p>
@@ -778,7 +778,7 @@
           <a:p>
             <a:fld id="{D499B87D-4425-4E83-91AC-B61446A371BA}" type="datetimeFigureOut">
               <a:rPr lang="ko-KR" altLang="en-US" smtClean="0"/>
-              <a:t>2019-10-29</a:t>
+              <a:t>2019-11-11</a:t>
             </a:fld>
             <a:endParaRPr lang="ko-KR" altLang="en-US"/>
           </a:p>
@@ -1022,7 +1022,7 @@
           <a:p>
             <a:fld id="{D499B87D-4425-4E83-91AC-B61446A371BA}" type="datetimeFigureOut">
               <a:rPr lang="ko-KR" altLang="en-US" smtClean="0"/>
-              <a:t>2019-10-29</a:t>
+              <a:t>2019-11-11</a:t>
             </a:fld>
             <a:endParaRPr lang="ko-KR" altLang="en-US"/>
           </a:p>
@@ -1254,7 +1254,7 @@
           <a:p>
             <a:fld id="{D499B87D-4425-4E83-91AC-B61446A371BA}" type="datetimeFigureOut">
               <a:rPr lang="ko-KR" altLang="en-US" smtClean="0"/>
-              <a:t>2019-10-29</a:t>
+              <a:t>2019-11-11</a:t>
             </a:fld>
             <a:endParaRPr lang="ko-KR" altLang="en-US"/>
           </a:p>
@@ -1621,7 +1621,7 @@
           <a:p>
             <a:fld id="{D499B87D-4425-4E83-91AC-B61446A371BA}" type="datetimeFigureOut">
               <a:rPr lang="ko-KR" altLang="en-US" smtClean="0"/>
-              <a:t>2019-10-29</a:t>
+              <a:t>2019-11-11</a:t>
             </a:fld>
             <a:endParaRPr lang="ko-KR" altLang="en-US"/>
           </a:p>
@@ -1739,7 +1739,7 @@
           <a:p>
             <a:fld id="{D499B87D-4425-4E83-91AC-B61446A371BA}" type="datetimeFigureOut">
               <a:rPr lang="ko-KR" altLang="en-US" smtClean="0"/>
-              <a:t>2019-10-29</a:t>
+              <a:t>2019-11-11</a:t>
             </a:fld>
             <a:endParaRPr lang="ko-KR" altLang="en-US"/>
           </a:p>
@@ -1834,7 +1834,7 @@
           <a:p>
             <a:fld id="{D499B87D-4425-4E83-91AC-B61446A371BA}" type="datetimeFigureOut">
               <a:rPr lang="ko-KR" altLang="en-US" smtClean="0"/>
-              <a:t>2019-10-29</a:t>
+              <a:t>2019-11-11</a:t>
             </a:fld>
             <a:endParaRPr lang="ko-KR" altLang="en-US"/>
           </a:p>
@@ -2111,7 +2111,7 @@
           <a:p>
             <a:fld id="{D499B87D-4425-4E83-91AC-B61446A371BA}" type="datetimeFigureOut">
               <a:rPr lang="ko-KR" altLang="en-US" smtClean="0"/>
-              <a:t>2019-10-29</a:t>
+              <a:t>2019-11-11</a:t>
             </a:fld>
             <a:endParaRPr lang="ko-KR" altLang="en-US"/>
           </a:p>
@@ -2368,7 +2368,7 @@
           <a:p>
             <a:fld id="{D499B87D-4425-4E83-91AC-B61446A371BA}" type="datetimeFigureOut">
               <a:rPr lang="ko-KR" altLang="en-US" smtClean="0"/>
-              <a:t>2019-10-29</a:t>
+              <a:t>2019-11-11</a:t>
             </a:fld>
             <a:endParaRPr lang="ko-KR" altLang="en-US"/>
           </a:p>
@@ -2581,7 +2581,7 @@
           <a:p>
             <a:fld id="{D499B87D-4425-4E83-91AC-B61446A371BA}" type="datetimeFigureOut">
               <a:rPr lang="ko-KR" altLang="en-US" smtClean="0"/>
-              <a:t>2019-10-29</a:t>
+              <a:t>2019-11-11</a:t>
             </a:fld>
             <a:endParaRPr lang="ko-KR" altLang="en-US"/>
           </a:p>
@@ -3067,12 +3067,152 @@
           </a:p>
         </p:txBody>
       </p:sp>
+      <p:grpSp>
+        <p:nvGrpSpPr>
+          <p:cNvPr id="4" name="그룹 3">
+            <a:extLst>
+              <a:ext uri="{FF2B5EF4-FFF2-40B4-BE49-F238E27FC236}">
+                <a16:creationId xmlns:a16="http://schemas.microsoft.com/office/drawing/2014/main" id="{34B08DE3-702B-4392-A354-89C8810340F3}"/>
+              </a:ext>
+            </a:extLst>
+          </p:cNvPr>
+          <p:cNvGrpSpPr/>
+          <p:nvPr/>
+        </p:nvGrpSpPr>
+        <p:grpSpPr>
+          <a:xfrm>
+            <a:off x="2404968" y="17032968"/>
+            <a:ext cx="9448800" cy="9082019"/>
+            <a:chOff x="2404968" y="17032968"/>
+            <a:chExt cx="9448800" cy="9082019"/>
+          </a:xfrm>
+        </p:grpSpPr>
+        <p:sp>
+          <p:nvSpPr>
+            <p:cNvPr id="18" name="직사각형 17">
+              <a:extLst>
+                <a:ext uri="{FF2B5EF4-FFF2-40B4-BE49-F238E27FC236}">
+                  <a16:creationId xmlns:a16="http://schemas.microsoft.com/office/drawing/2014/main" id="{1A22A35C-35DD-4006-B929-95F6AEB9C09D}"/>
+                </a:ext>
+              </a:extLst>
+            </p:cNvPr>
+            <p:cNvSpPr/>
+            <p:nvPr/>
+          </p:nvSpPr>
+          <p:spPr>
+            <a:xfrm>
+              <a:off x="2404968" y="17032968"/>
+              <a:ext cx="9448798" cy="9022080"/>
+            </a:xfrm>
+            <a:prstGeom prst="rect">
+              <a:avLst/>
+            </a:prstGeom>
+            <a:solidFill>
+              <a:schemeClr val="bg1"/>
+            </a:solidFill>
+          </p:spPr>
+          <p:style>
+            <a:lnRef idx="2">
+              <a:schemeClr val="accent1">
+                <a:shade val="50000"/>
+              </a:schemeClr>
+            </a:lnRef>
+            <a:fillRef idx="1">
+              <a:schemeClr val="accent1"/>
+            </a:fillRef>
+            <a:effectRef idx="0">
+              <a:schemeClr val="accent1"/>
+            </a:effectRef>
+            <a:fontRef idx="minor">
+              <a:schemeClr val="lt1"/>
+            </a:fontRef>
+          </p:style>
+          <p:txBody>
+            <a:bodyPr rtlCol="0" anchor="ctr"/>
+            <a:lstStyle/>
+            <a:p>
+              <a:pPr algn="ctr"/>
+              <a:endParaRPr lang="ko-KR" altLang="en-US"/>
+            </a:p>
+          </p:txBody>
+        </p:sp>
+        <p:sp>
+          <p:nvSpPr>
+            <p:cNvPr id="8" name="직사각형 7">
+              <a:extLst>
+                <a:ext uri="{FF2B5EF4-FFF2-40B4-BE49-F238E27FC236}">
+                  <a16:creationId xmlns:a16="http://schemas.microsoft.com/office/drawing/2014/main" id="{465F0724-930A-46D8-9BD0-601FB4B611C2}"/>
+                </a:ext>
+              </a:extLst>
+            </p:cNvPr>
+            <p:cNvSpPr/>
+            <p:nvPr/>
+          </p:nvSpPr>
+          <p:spPr>
+            <a:xfrm>
+              <a:off x="2404968" y="17092907"/>
+              <a:ext cx="9448800" cy="9022080"/>
+            </a:xfrm>
+            <a:prstGeom prst="rect">
+              <a:avLst/>
+            </a:prstGeom>
+            <a:noFill/>
+            <a:ln w="200025">
+              <a:solidFill>
+                <a:schemeClr val="accent5">
+                  <a:lumMod val="60000"/>
+                  <a:lumOff val="40000"/>
+                </a:schemeClr>
+              </a:solidFill>
+            </a:ln>
+            <a:effectLst>
+              <a:softEdge rad="12700"/>
+            </a:effectLst>
+          </p:spPr>
+          <p:style>
+            <a:lnRef idx="2">
+              <a:schemeClr val="accent1">
+                <a:shade val="50000"/>
+              </a:schemeClr>
+            </a:lnRef>
+            <a:fillRef idx="1">
+              <a:schemeClr val="accent1"/>
+            </a:fillRef>
+            <a:effectRef idx="0">
+              <a:schemeClr val="accent1"/>
+            </a:effectRef>
+            <a:fontRef idx="minor">
+              <a:schemeClr val="lt1"/>
+            </a:fontRef>
+          </p:style>
+          <p:txBody>
+            <a:bodyPr rtlCol="0" anchor="ctr"/>
+            <a:lstStyle/>
+            <a:p>
+              <a:pPr algn="ctr"/>
+              <a:r>
+                <a:rPr lang="ko-KR" altLang="en-US" sz="10000" spc="600" dirty="0">
+                  <a:solidFill>
+                    <a:schemeClr val="accent5">
+                      <a:lumMod val="60000"/>
+                      <a:lumOff val="40000"/>
+                    </a:schemeClr>
+                  </a:solidFill>
+                  <a:latin typeface="서울남산 장체B" panose="02020603020101020101" pitchFamily="18" charset="-127"/>
+                  <a:ea typeface="서울남산 장체B" panose="02020603020101020101" pitchFamily="18" charset="-127"/>
+                </a:rPr>
+                <a:t>스크랩</a:t>
+              </a:r>
+            </a:p>
+          </p:txBody>
+        </p:sp>
+      </p:grpSp>
       <p:sp>
         <p:nvSpPr>
-          <p:cNvPr id="8" name="직사각형 7">
+          <p:cNvPr id="2" name="직사각형 1">
             <a:extLst>
               <a:ext uri="{FF2B5EF4-FFF2-40B4-BE49-F238E27FC236}">
-                <a16:creationId xmlns:a16="http://schemas.microsoft.com/office/drawing/2014/main" id="{465F0724-930A-46D8-9BD0-601FB4B611C2}"/>
+                <a16:creationId xmlns:a16="http://schemas.microsoft.com/office/drawing/2014/main" id="{92CC7416-0068-495E-8C13-50F10A6C8EA2}"/>
               </a:ext>
             </a:extLst>
           </p:cNvPr>
@@ -3081,24 +3221,15 @@
         </p:nvSpPr>
         <p:spPr>
           <a:xfrm>
-            <a:off x="2404968" y="17092907"/>
-            <a:ext cx="9448800" cy="9022080"/>
+            <a:off x="15794134" y="17066039"/>
+            <a:ext cx="9448798" cy="9022080"/>
           </a:xfrm>
           <a:prstGeom prst="rect">
             <a:avLst/>
           </a:prstGeom>
-          <a:noFill/>
-          <a:ln w="200025">
-            <a:solidFill>
-              <a:schemeClr val="accent5">
-                <a:lumMod val="60000"/>
-                <a:lumOff val="40000"/>
-              </a:schemeClr>
-            </a:solidFill>
-          </a:ln>
-          <a:effectLst>
-            <a:softEdge rad="12700"/>
-          </a:effectLst>
+          <a:solidFill>
+            <a:schemeClr val="bg1"/>
+          </a:solidFill>
         </p:spPr>
         <p:style>
           <a:lnRef idx="2">
@@ -3121,19 +3252,7 @@
           <a:lstStyle/>
           <a:p>
             <a:pPr algn="ctr"/>
-            <a:r>
-              <a:rPr lang="ko-KR" altLang="en-US" sz="10000" spc="600" dirty="0">
-                <a:solidFill>
-                  <a:schemeClr val="accent5">
-                    <a:lumMod val="60000"/>
-                    <a:lumOff val="40000"/>
-                  </a:schemeClr>
-                </a:solidFill>
-                <a:latin typeface="서울남산 장체B" panose="02020603020101020101" pitchFamily="18" charset="-127"/>
-                <a:ea typeface="서울남산 장체B" panose="02020603020101020101" pitchFamily="18" charset="-127"/>
-              </a:rPr>
-              <a:t>스크랩</a:t>
-            </a:r>
+            <a:endParaRPr lang="ko-KR" altLang="en-US"/>
           </a:p>
         </p:txBody>
       </p:sp>
@@ -3151,8 +3270,8 @@
         </p:nvSpPr>
         <p:spPr>
           <a:xfrm>
-            <a:off x="15794134" y="17092907"/>
-            <a:ext cx="9448800" cy="9022080"/>
+            <a:off x="15794134" y="17066039"/>
+            <a:ext cx="9448798" cy="9048948"/>
           </a:xfrm>
           <a:prstGeom prst="rect">
             <a:avLst/>
